--- a/plots/results.pptx
+++ b/plots/results.pptx
@@ -4,7 +4,7 @@
   <p:sldMasterIdLst>
     <p:sldMasterId id="2147483648" r:id="rId4"/>
   </p:sldMasterIdLst>
-  <p:sldIdLst xmlns:a="http://schemas.openxmlformats.org/drawingml/2006/main" xmlns:r="http://schemas.openxmlformats.org/officeDocument/2006/relationships" xmlns:p="http://schemas.openxmlformats.org/presentationml/2006/main">
+  <p:sldIdLst>
     <p:sldId id="256" r:id="rId5"/>
     <p:sldId id="257" r:id="rId10"/>
     <p:sldId id="258" r:id="rId11"/>
@@ -3428,7 +3428,7 @@
           <a:chExt cx="0" cy="0"/>
         </a:xfrm>
       </p:grpSpPr>
-      <p:pic xmlns:a="http://schemas.openxmlformats.org/drawingml/2006/main" xmlns:r="http://schemas.openxmlformats.org/officeDocument/2006/relationships" xmlns:p="http://schemas.openxmlformats.org/presentationml/2006/main">
+      <p:pic>
         <p:nvPicPr>
           <p:cNvPr id="2" name="body" descr=""/>
           <p:cNvPicPr>
@@ -3479,7 +3479,7 @@
           <a:chExt cx="0" cy="0"/>
         </a:xfrm>
       </p:grpSpPr>
-      <p:pic xmlns:a="http://schemas.openxmlformats.org/drawingml/2006/main" xmlns:r="http://schemas.openxmlformats.org/officeDocument/2006/relationships" xmlns:p="http://schemas.openxmlformats.org/presentationml/2006/main">
+      <p:pic>
         <p:nvPicPr>
           <p:cNvPr id="2" name="body" descr=""/>
           <p:cNvPicPr>
@@ -3530,7 +3530,7 @@
           <a:chExt cx="0" cy="0"/>
         </a:xfrm>
       </p:grpSpPr>
-      <p:pic xmlns:a="http://schemas.openxmlformats.org/drawingml/2006/main" xmlns:r="http://schemas.openxmlformats.org/officeDocument/2006/relationships" xmlns:p="http://schemas.openxmlformats.org/presentationml/2006/main">
+      <p:pic>
         <p:nvPicPr>
           <p:cNvPr id="2" name="body" descr=""/>
           <p:cNvPicPr>
@@ -3581,7 +3581,7 @@
           <a:chExt cx="0" cy="0"/>
         </a:xfrm>
       </p:grpSpPr>
-      <p:pic xmlns:a="http://schemas.openxmlformats.org/drawingml/2006/main" xmlns:r="http://schemas.openxmlformats.org/officeDocument/2006/relationships" xmlns:p="http://schemas.openxmlformats.org/presentationml/2006/main">
+      <p:pic>
         <p:nvPicPr>
           <p:cNvPr id="2" name="body" descr=""/>
           <p:cNvPicPr>
@@ -3632,7 +3632,7 @@
           <a:chExt cx="0" cy="0"/>
         </a:xfrm>
       </p:grpSpPr>
-      <p:pic xmlns:a="http://schemas.openxmlformats.org/drawingml/2006/main" xmlns:r="http://schemas.openxmlformats.org/officeDocument/2006/relationships" xmlns:p="http://schemas.openxmlformats.org/presentationml/2006/main">
+      <p:pic>
         <p:nvPicPr>
           <p:cNvPr id="2" name="body" descr=""/>
           <p:cNvPicPr>
@@ -3683,7 +3683,7 @@
           <a:chExt cx="0" cy="0"/>
         </a:xfrm>
       </p:grpSpPr>
-      <p:pic xmlns:a="http://schemas.openxmlformats.org/drawingml/2006/main" xmlns:r="http://schemas.openxmlformats.org/officeDocument/2006/relationships" xmlns:p="http://schemas.openxmlformats.org/presentationml/2006/main">
+      <p:pic>
         <p:nvPicPr>
           <p:cNvPr id="2" name="body" descr=""/>
           <p:cNvPicPr>
